--- a/_Presentations/08 Storing Data.pptx
+++ b/_Presentations/08 Storing Data.pptx
@@ -10713,7 +10713,7 @@
                 <a:cs typeface="Questrial"/>
                 <a:sym typeface="Questrial"/>
               </a:rPr>
-              <a:t>The Pet Shop</a:t>
+              <a:t>Storing information in files</a:t>
             </a:r>
             <a:endParaRPr lang="en-US" sz="5400" b="0" i="0" u="none" strike="noStrike" cap="none" dirty="0">
               <a:solidFill>
@@ -12334,8 +12334,13 @@
             </a:pPr>
             <a:r>
               <a:rPr lang="en-US" sz="1800" dirty="0"/>
-              <a:t>Generate 10-20 records of students and add them in a List&lt;Student&gt;</a:t>
-            </a:r>
+              <a:t>Generate 10-20 records of students and add them in a </a:t>
+            </a:r>
+            <a:r>
+              <a:rPr lang="en-US" sz="1800"/>
+              <a:t>List&lt;Person&gt;</a:t>
+            </a:r>
+            <a:endParaRPr lang="en-US" sz="1800" dirty="0"/>
           </a:p>
           <a:p>
             <a:pPr marL="463550" indent="-342900">
@@ -12351,13 +12356,8 @@
             </a:pPr>
             <a:r>
               <a:rPr lang="en-US" sz="1800" dirty="0"/>
-              <a:t>Implement function to read and write data in a CSV file, manually (1/all </a:t>
-            </a:r>
-            <a:r>
-              <a:rPr lang="en-US" sz="1800"/>
-              <a:t>in file/s)</a:t>
-            </a:r>
-            <a:endParaRPr lang="en-US" sz="1800" dirty="0"/>
+              <a:t>Implement function to read and write data in a CSV file, manually (1/all in file/s)</a:t>
+            </a:r>
           </a:p>
           <a:p>
             <a:pPr marL="463550" indent="-342900">
